--- a/ComputerMath/PPT/第01讲 计算机数学绪论.pptx
+++ b/ComputerMath/PPT/第01讲 计算机数学绪论.pptx
@@ -259,7 +259,7 @@
           <a:p>
             <a:fld id="{87DCD449-0720-4299-8DE9-69CE28848277}" type="datetimeFigureOut">
               <a:rPr lang="zh-CN" altLang="en-US" smtClean="0"/>
-              <a:t>2020-2-26</a:t>
+              <a:t>2020-2-29</a:t>
             </a:fld>
             <a:endParaRPr lang="zh-CN" altLang="en-US"/>
           </a:p>
@@ -13315,8 +13315,8 @@
           <a:chExt cx="0" cy="0"/>
         </a:xfrm>
       </p:grpSpPr>
-      <mc:AlternateContent xmlns:mc="http://schemas.openxmlformats.org/markup-compatibility/2006" xmlns:a14="http://schemas.microsoft.com/office/drawing/2010/main">
-        <mc:Choice Requires="a14">
+      <mc:AlternateContent xmlns:mc="http://schemas.openxmlformats.org/markup-compatibility/2006">
+        <mc:Choice xmlns:a14="http://schemas.microsoft.com/office/drawing/2010/main" Requires="a14">
           <p:sp>
             <p:nvSpPr>
               <p:cNvPr id="5" name="内容占位符 3">
@@ -13751,7 +13751,7 @@
                   <a:t>向量</a:t>
                 </a:r>
                 <a:r>
-                  <a:rPr lang="en-US" altLang="zh-CN" sz="2800" dirty="0">
+                  <a:rPr lang="en-US" altLang="zh-CN" sz="2800" b="1" i="1" dirty="0">
                     <a:solidFill>
                       <a:schemeClr val="tx1"/>
                     </a:solidFill>
@@ -14177,7 +14177,7 @@
             </p:txBody>
           </p:sp>
         </mc:Choice>
-        <mc:Fallback xmlns="">
+        <mc:Fallback>
           <p:sp>
             <p:nvSpPr>
               <p:cNvPr id="5" name="内容占位符 3">
@@ -17739,8 +17739,8 @@
           </a:p>
         </p:txBody>
       </p:sp>
-      <mc:AlternateContent xmlns:mc="http://schemas.openxmlformats.org/markup-compatibility/2006">
-        <mc:Choice xmlns:a14="http://schemas.microsoft.com/office/drawing/2010/main" Requires="a14">
+      <mc:AlternateContent xmlns:mc="http://schemas.openxmlformats.org/markup-compatibility/2006" xmlns:a14="http://schemas.microsoft.com/office/drawing/2010/main">
+        <mc:Choice Requires="a14">
           <p:sp>
             <p:nvSpPr>
               <p:cNvPr id="8" name="矩形 7">
@@ -18366,7 +18366,7 @@
             </p:txBody>
           </p:sp>
         </mc:Choice>
-        <mc:Fallback>
+        <mc:Fallback xmlns="">
           <p:sp>
             <p:nvSpPr>
               <p:cNvPr id="8" name="矩形 7">
@@ -19867,8 +19867,8 @@
           </a:p>
         </p:txBody>
       </p:sp>
-      <mc:AlternateContent xmlns:mc="http://schemas.openxmlformats.org/markup-compatibility/2006">
-        <mc:Choice xmlns:a14="http://schemas.microsoft.com/office/drawing/2010/main" Requires="a14">
+      <mc:AlternateContent xmlns:mc="http://schemas.openxmlformats.org/markup-compatibility/2006" xmlns:a14="http://schemas.microsoft.com/office/drawing/2010/main">
+        <mc:Choice Requires="a14">
           <p:sp>
             <p:nvSpPr>
               <p:cNvPr id="4" name="文本框 3">
@@ -20310,7 +20310,7 @@
             </p:txBody>
           </p:sp>
         </mc:Choice>
-        <mc:Fallback>
+        <mc:Fallback xmlns="">
           <p:sp>
             <p:nvSpPr>
               <p:cNvPr id="4" name="文本框 3">

--- a/ComputerMath/PPT/第01讲 计算机数学绪论.pptx
+++ b/ComputerMath/PPT/第01讲 计算机数学绪论.pptx
@@ -259,7 +259,7 @@
           <a:p>
             <a:fld id="{87DCD449-0720-4299-8DE9-69CE28848277}" type="datetimeFigureOut">
               <a:rPr lang="zh-CN" altLang="en-US" smtClean="0"/>
-              <a:t>2020-2-29</a:t>
+              <a:t>2020-3-8</a:t>
             </a:fld>
             <a:endParaRPr lang="zh-CN" altLang="en-US"/>
           </a:p>
@@ -13315,8 +13315,8 @@
           <a:chExt cx="0" cy="0"/>
         </a:xfrm>
       </p:grpSpPr>
-      <mc:AlternateContent xmlns:mc="http://schemas.openxmlformats.org/markup-compatibility/2006">
-        <mc:Choice xmlns:a14="http://schemas.microsoft.com/office/drawing/2010/main" Requires="a14">
+      <mc:AlternateContent xmlns:mc="http://schemas.openxmlformats.org/markup-compatibility/2006" xmlns:a14="http://schemas.microsoft.com/office/drawing/2010/main">
+        <mc:Choice Requires="a14">
           <p:sp>
             <p:nvSpPr>
               <p:cNvPr id="5" name="内容占位符 3">
@@ -14177,7 +14177,7 @@
             </p:txBody>
           </p:sp>
         </mc:Choice>
-        <mc:Fallback>
+        <mc:Fallback xmlns="">
           <p:sp>
             <p:nvSpPr>
               <p:cNvPr id="5" name="内容占位符 3">
@@ -17739,8 +17739,8 @@
           </a:p>
         </p:txBody>
       </p:sp>
-      <mc:AlternateContent xmlns:mc="http://schemas.openxmlformats.org/markup-compatibility/2006" xmlns:a14="http://schemas.microsoft.com/office/drawing/2010/main">
-        <mc:Choice Requires="a14">
+      <mc:AlternateContent xmlns:mc="http://schemas.openxmlformats.org/markup-compatibility/2006">
+        <mc:Choice xmlns:a14="http://schemas.microsoft.com/office/drawing/2010/main" Requires="a14">
           <p:sp>
             <p:nvSpPr>
               <p:cNvPr id="8" name="矩形 7">
@@ -17756,7 +17756,7 @@
             <p:spPr>
               <a:xfrm>
                 <a:off x="3835190" y="1193800"/>
-                <a:ext cx="5193181" cy="4813049"/>
+                <a:ext cx="5193181" cy="4436536"/>
               </a:xfrm>
               <a:prstGeom prst="rect">
                 <a:avLst/>
@@ -17785,39 +17785,15 @@
                 </a:r>
                 <a14:m>
                   <m:oMath xmlns:m="http://schemas.openxmlformats.org/officeDocument/2006/math">
-                    <m:acc>
-                      <m:accPr>
-                        <m:chr m:val="⃗"/>
-                        <m:ctrlPr>
-                          <a:rPr lang="zh-CN" altLang="en-US" b="1" i="1" kern="100">
-                            <a:latin typeface="Cambria Math" panose="02040503050406030204" pitchFamily="18" charset="0"/>
-                            <a:cs typeface="Times New Roman" panose="02020603050405020304" pitchFamily="18" charset="0"/>
-                          </a:rPr>
-                        </m:ctrlPr>
-                      </m:accPr>
-                      <m:e>
-                        <m:r>
-                          <m:rPr>
-                            <m:nor/>
-                          </m:rPr>
-                          <a:rPr lang="en-US" altLang="zh-CN" b="1" i="1" kern="100" dirty="0">
-                            <a:latin typeface="+mj-ea"/>
-                            <a:cs typeface="Times New Roman" panose="02020603050405020304" pitchFamily="18" charset="0"/>
-                          </a:rPr>
-                          <m:t>AB</m:t>
-                        </m:r>
-                      </m:e>
-                    </m:acc>
+                    <m:r>
+                      <a:rPr lang="en-US" altLang="zh-CN" b="1" i="1" kern="100" smtClean="0">
+                        <a:latin typeface="Cambria Math" panose="02040503050406030204" pitchFamily="18" charset="0"/>
+                        <a:cs typeface="Times New Roman" panose="02020603050405020304" pitchFamily="18" charset="0"/>
+                      </a:rPr>
+                      <m:t>𝑨𝑩</m:t>
+                    </m:r>
                   </m:oMath>
                 </a14:m>
-                <a:r>
-                  <a:rPr lang="en-US" altLang="zh-CN" kern="100" dirty="0">
-                    <a:latin typeface="+mj-ea"/>
-                    <a:ea typeface="+mj-ea"/>
-                    <a:cs typeface="Times New Roman" panose="02020603050405020304" pitchFamily="18" charset="0"/>
-                  </a:rPr>
-                  <a:t> </a:t>
-                </a:r>
                 <a:r>
                   <a:rPr lang="zh-CN" altLang="zh-CN" kern="100" dirty="0">
                     <a:latin typeface="+mj-ea"/>
@@ -17901,38 +17877,15 @@
                 </a:r>
                 <a14:m>
                   <m:oMath xmlns:m="http://schemas.openxmlformats.org/officeDocument/2006/math">
-                    <m:acc>
-                      <m:accPr>
-                        <m:chr m:val="⃗"/>
-                        <m:ctrlPr>
-                          <a:rPr lang="zh-CN" altLang="en-US" b="1" i="1" kern="100">
-                            <a:latin typeface="Cambria Math" panose="02040503050406030204" pitchFamily="18" charset="0"/>
-                            <a:cs typeface="Times New Roman" panose="02020603050405020304" pitchFamily="18" charset="0"/>
-                          </a:rPr>
-                        </m:ctrlPr>
-                      </m:accPr>
-                      <m:e>
-                        <m:r>
-                          <m:rPr>
-                            <m:nor/>
-                          </m:rPr>
-                          <a:rPr lang="en-US" altLang="zh-CN" b="1" i="1" kern="100" dirty="0">
-                            <a:latin typeface="+mj-ea"/>
-                            <a:cs typeface="Times New Roman" panose="02020603050405020304" pitchFamily="18" charset="0"/>
-                          </a:rPr>
-                          <m:t>AB</m:t>
-                        </m:r>
-                      </m:e>
-                    </m:acc>
+                    <m:r>
+                      <a:rPr lang="en-US" altLang="zh-CN" b="1" i="1" kern="100">
+                        <a:latin typeface="Cambria Math" panose="02040503050406030204" pitchFamily="18" charset="0"/>
+                        <a:cs typeface="Times New Roman" panose="02020603050405020304" pitchFamily="18" charset="0"/>
+                      </a:rPr>
+                      <m:t>𝑨𝑩</m:t>
+                    </m:r>
                   </m:oMath>
                 </a14:m>
-                <a:r>
-                  <a:rPr lang="en-US" altLang="zh-CN" kern="100" dirty="0">
-                    <a:latin typeface="+mj-ea"/>
-                    <a:cs typeface="Times New Roman" panose="02020603050405020304" pitchFamily="18" charset="0"/>
-                  </a:rPr>
-                  <a:t> </a:t>
-                </a:r>
                 <a:r>
                   <a:rPr lang="zh-CN" altLang="en-US" kern="100" dirty="0">
                     <a:latin typeface="+mj-ea"/>
@@ -18170,38 +18123,15 @@
                 </a:r>
                 <a14:m>
                   <m:oMath xmlns:m="http://schemas.openxmlformats.org/officeDocument/2006/math">
-                    <m:acc>
-                      <m:accPr>
-                        <m:chr m:val="⃗"/>
-                        <m:ctrlPr>
-                          <a:rPr lang="zh-CN" altLang="en-US" b="1" i="1" kern="100">
-                            <a:latin typeface="Cambria Math" panose="02040503050406030204" pitchFamily="18" charset="0"/>
-                            <a:cs typeface="Times New Roman" panose="02020603050405020304" pitchFamily="18" charset="0"/>
-                          </a:rPr>
-                        </m:ctrlPr>
-                      </m:accPr>
-                      <m:e>
-                        <m:r>
-                          <m:rPr>
-                            <m:nor/>
-                          </m:rPr>
-                          <a:rPr lang="en-US" altLang="zh-CN" b="1" i="1" kern="100" dirty="0">
-                            <a:latin typeface="+mj-ea"/>
-                            <a:cs typeface="Times New Roman" panose="02020603050405020304" pitchFamily="18" charset="0"/>
-                          </a:rPr>
-                          <m:t>AB</m:t>
-                        </m:r>
-                      </m:e>
-                    </m:acc>
+                    <m:r>
+                      <a:rPr lang="en-US" altLang="zh-CN" b="1" i="1" kern="100">
+                        <a:latin typeface="Cambria Math" panose="02040503050406030204" pitchFamily="18" charset="0"/>
+                        <a:cs typeface="Times New Roman" panose="02020603050405020304" pitchFamily="18" charset="0"/>
+                      </a:rPr>
+                      <m:t>𝑨𝑩</m:t>
+                    </m:r>
                   </m:oMath>
                 </a14:m>
-                <a:r>
-                  <a:rPr lang="zh-CN" altLang="en-US" b="1" kern="100" dirty="0">
-                    <a:latin typeface="+mj-ea"/>
-                    <a:cs typeface="Times New Roman" panose="02020603050405020304" pitchFamily="18" charset="0"/>
-                  </a:rPr>
-                  <a:t> </a:t>
-                </a:r>
                 <a:endParaRPr lang="en-US" altLang="zh-CN" i="1" kern="100" dirty="0">
                   <a:latin typeface="+mj-ea"/>
                   <a:ea typeface="+mj-ea"/>
@@ -18275,38 +18205,15 @@
                 </a:r>
                 <a14:m>
                   <m:oMath xmlns:m="http://schemas.openxmlformats.org/officeDocument/2006/math">
-                    <m:acc>
-                      <m:accPr>
-                        <m:chr m:val="⃗"/>
-                        <m:ctrlPr>
-                          <a:rPr lang="zh-CN" altLang="en-US" b="1" i="1" kern="100">
-                            <a:latin typeface="Cambria Math" panose="02040503050406030204" pitchFamily="18" charset="0"/>
-                            <a:cs typeface="Times New Roman" panose="02020603050405020304" pitchFamily="18" charset="0"/>
-                          </a:rPr>
-                        </m:ctrlPr>
-                      </m:accPr>
-                      <m:e>
-                        <m:r>
-                          <m:rPr>
-                            <m:nor/>
-                          </m:rPr>
-                          <a:rPr lang="en-US" altLang="zh-CN" b="1" i="1" kern="100" dirty="0">
-                            <a:latin typeface="+mj-ea"/>
-                            <a:cs typeface="Times New Roman" panose="02020603050405020304" pitchFamily="18" charset="0"/>
-                          </a:rPr>
-                          <m:t>AB</m:t>
-                        </m:r>
-                      </m:e>
-                    </m:acc>
+                    <m:r>
+                      <a:rPr lang="en-US" altLang="zh-CN" b="1" i="1" kern="100">
+                        <a:latin typeface="Cambria Math" panose="02040503050406030204" pitchFamily="18" charset="0"/>
+                        <a:cs typeface="Times New Roman" panose="02020603050405020304" pitchFamily="18" charset="0"/>
+                      </a:rPr>
+                      <m:t>𝑨𝑩</m:t>
+                    </m:r>
                   </m:oMath>
                 </a14:m>
-                <a:r>
-                  <a:rPr lang="zh-CN" altLang="en-US" b="1" kern="100" dirty="0">
-                    <a:latin typeface="+mj-ea"/>
-                    <a:cs typeface="Times New Roman" panose="02020603050405020304" pitchFamily="18" charset="0"/>
-                  </a:rPr>
-                  <a:t> </a:t>
-                </a:r>
                 <a:r>
                   <a:rPr lang="zh-CN" altLang="zh-CN" kern="100" dirty="0">
                     <a:latin typeface="+mj-ea"/>
@@ -18317,39 +18224,15 @@
                 </a:r>
                 <a14:m>
                   <m:oMath xmlns:m="http://schemas.openxmlformats.org/officeDocument/2006/math">
-                    <m:acc>
-                      <m:accPr>
-                        <m:chr m:val="⃗"/>
-                        <m:ctrlPr>
-                          <a:rPr lang="zh-CN" altLang="en-US" b="1" i="1" kern="100">
-                            <a:latin typeface="Cambria Math" panose="02040503050406030204" pitchFamily="18" charset="0"/>
-                            <a:cs typeface="Times New Roman" panose="02020603050405020304" pitchFamily="18" charset="0"/>
-                          </a:rPr>
-                        </m:ctrlPr>
-                      </m:accPr>
-                      <m:e>
-                        <m:r>
-                          <m:rPr>
-                            <m:nor/>
-                          </m:rPr>
-                          <a:rPr lang="en-US" altLang="zh-CN" b="1" i="1" kern="100" dirty="0">
-                            <a:latin typeface="+mj-ea"/>
-                            <a:cs typeface="Times New Roman" panose="02020603050405020304" pitchFamily="18" charset="0"/>
-                          </a:rPr>
-                          <m:t>AB</m:t>
-                        </m:r>
-                      </m:e>
-                    </m:acc>
+                    <m:r>
+                      <a:rPr lang="en-US" altLang="zh-CN" b="1" i="1" kern="100">
+                        <a:latin typeface="Cambria Math" panose="02040503050406030204" pitchFamily="18" charset="0"/>
+                        <a:cs typeface="Times New Roman" panose="02020603050405020304" pitchFamily="18" charset="0"/>
+                      </a:rPr>
+                      <m:t>𝑨𝑩</m:t>
+                    </m:r>
                   </m:oMath>
                 </a14:m>
-                <a:r>
-                  <a:rPr lang="en-US" altLang="zh-CN" kern="100" dirty="0">
-                    <a:latin typeface="+mj-ea"/>
-                    <a:ea typeface="+mj-ea"/>
-                    <a:cs typeface="Times New Roman" panose="02020603050405020304" pitchFamily="18" charset="0"/>
-                  </a:rPr>
-                  <a:t> </a:t>
-                </a:r>
                 <a:r>
                   <a:rPr lang="zh-CN" altLang="zh-CN" kern="100" dirty="0">
                     <a:latin typeface="+mj-ea"/>
@@ -18366,7 +18249,7 @@
             </p:txBody>
           </p:sp>
         </mc:Choice>
-        <mc:Fallback xmlns="">
+        <mc:Fallback>
           <p:sp>
             <p:nvSpPr>
               <p:cNvPr id="8" name="矩形 7">
@@ -18384,7 +18267,7 @@
             <p:spPr>
               <a:xfrm>
                 <a:off x="3835190" y="1193800"/>
-                <a:ext cx="5193181" cy="4813049"/>
+                <a:ext cx="5193181" cy="4436536"/>
               </a:xfrm>
               <a:prstGeom prst="rect">
                 <a:avLst/>
@@ -18392,7 +18275,7 @@
               <a:blipFill>
                 <a:blip r:embed="rId2"/>
                 <a:stretch>
-                  <a:fillRect l="-1526" r="-7864" b="-2028"/>
+                  <a:fillRect l="-1526" r="-7864" b="-687"/>
                 </a:stretch>
               </a:blipFill>
             </p:spPr>
@@ -18411,8 +18294,8 @@
           </p:sp>
         </mc:Fallback>
       </mc:AlternateContent>
-      <mc:AlternateContent xmlns:mc="http://schemas.openxmlformats.org/markup-compatibility/2006" xmlns:a14="http://schemas.microsoft.com/office/drawing/2010/main">
-        <mc:Choice Requires="a14">
+      <mc:AlternateContent xmlns:mc="http://schemas.openxmlformats.org/markup-compatibility/2006">
+        <mc:Choice xmlns:a14="http://schemas.microsoft.com/office/drawing/2010/main" Requires="a14">
           <p:sp>
             <p:nvSpPr>
               <p:cNvPr id="4" name="矩形 3">
@@ -18447,38 +18330,15 @@
                 </a:pPr>
                 <a14:m>
                   <m:oMath xmlns:m="http://schemas.openxmlformats.org/officeDocument/2006/math">
-                    <m:acc>
-                      <m:accPr>
-                        <m:chr m:val="⃗"/>
-                        <m:ctrlPr>
-                          <a:rPr lang="zh-CN" altLang="en-US" sz="1867" b="1" i="1" kern="100">
-                            <a:latin typeface="Cambria Math" panose="02040503050406030204" pitchFamily="18" charset="0"/>
-                            <a:cs typeface="Times New Roman" panose="02020603050405020304" pitchFamily="18" charset="0"/>
-                          </a:rPr>
-                        </m:ctrlPr>
-                      </m:accPr>
-                      <m:e>
-                        <m:r>
-                          <m:rPr>
-                            <m:nor/>
-                          </m:rPr>
-                          <a:rPr lang="en-US" altLang="zh-CN" sz="1867" b="1" i="1" kern="100" dirty="0">
-                            <a:latin typeface="+mj-ea"/>
-                            <a:cs typeface="Times New Roman" panose="02020603050405020304" pitchFamily="18" charset="0"/>
-                          </a:rPr>
-                          <m:t>AB</m:t>
-                        </m:r>
-                      </m:e>
-                    </m:acc>
+                    <m:r>
+                      <a:rPr lang="en-US" altLang="zh-CN" sz="2000" b="1" i="1" kern="100">
+                        <a:latin typeface="Cambria Math" panose="02040503050406030204" pitchFamily="18" charset="0"/>
+                        <a:cs typeface="Times New Roman" panose="02020603050405020304" pitchFamily="18" charset="0"/>
+                      </a:rPr>
+                      <m:t>𝑨𝑩</m:t>
+                    </m:r>
                   </m:oMath>
                 </a14:m>
-                <a:r>
-                  <a:rPr lang="zh-CN" altLang="en-US" sz="1867" b="1" kern="100" dirty="0">
-                    <a:latin typeface="+mj-ea"/>
-                    <a:cs typeface="Times New Roman" panose="02020603050405020304" pitchFamily="18" charset="0"/>
-                  </a:rPr>
-                  <a:t> </a:t>
-                </a:r>
                 <a:r>
                   <a:rPr lang="zh-CN" altLang="en-US" sz="1867" kern="100" dirty="0">
                     <a:latin typeface="+mj-ea"/>
@@ -18734,7 +18594,7 @@
             </p:txBody>
           </p:sp>
         </mc:Choice>
-        <mc:Fallback xmlns="">
+        <mc:Fallback>
           <p:sp>
             <p:nvSpPr>
               <p:cNvPr id="4" name="矩形 3">
@@ -18760,7 +18620,7 @@
               <a:blipFill>
                 <a:blip r:embed="rId3"/>
                 <a:stretch>
-                  <a:fillRect l="-1565" r="-3130" b="-3889"/>
+                  <a:fillRect l="-1565" t="-556" r="-3130" b="-1667"/>
                 </a:stretch>
               </a:blipFill>
             </p:spPr>
@@ -18779,102 +18639,81 @@
           </p:sp>
         </mc:Fallback>
       </mc:AlternateContent>
-      <p:grpSp>
-        <p:nvGrpSpPr>
-          <p:cNvPr id="11" name="组合 10">
+      <p:sp>
+        <p:nvSpPr>
+          <p:cNvPr id="5" name="文本框 4">
             <a:extLst>
               <a:ext uri="{FF2B5EF4-FFF2-40B4-BE49-F238E27FC236}">
-                <a16:creationId xmlns:a16="http://schemas.microsoft.com/office/drawing/2014/main" id="{8FC3C762-85C0-4B4B-BC11-D3FC3C8CF926}"/>
+                <a16:creationId xmlns:a16="http://schemas.microsoft.com/office/drawing/2014/main" id="{E83D261B-DB4D-43A1-8491-87028930C847}"/>
               </a:ext>
             </a:extLst>
           </p:cNvPr>
-          <p:cNvGrpSpPr/>
+          <p:cNvSpPr txBox="1"/>
           <p:nvPr/>
-        </p:nvGrpSpPr>
-        <p:grpSpPr>
+        </p:nvSpPr>
+        <p:spPr>
           <a:xfrm>
-            <a:off x="428696" y="1193800"/>
-            <a:ext cx="3105009" cy="1966261"/>
-            <a:chOff x="3038261" y="1581938"/>
-            <a:chExt cx="3105009" cy="1966261"/>
+            <a:off x="2162105" y="1193800"/>
+            <a:ext cx="1371600" cy="369332"/>
           </a:xfrm>
-        </p:grpSpPr>
-        <p:pic>
-          <p:nvPicPr>
-            <p:cNvPr id="10" name="图片 9">
-              <a:extLst>
-                <a:ext uri="{FF2B5EF4-FFF2-40B4-BE49-F238E27FC236}">
-                  <a16:creationId xmlns:a16="http://schemas.microsoft.com/office/drawing/2014/main" id="{A441F328-E6E7-47F3-81DF-0DC0B878B0C2}"/>
-                </a:ext>
-              </a:extLst>
-            </p:cNvPr>
-            <p:cNvPicPr>
-              <a:picLocks noChangeAspect="1"/>
-            </p:cNvPicPr>
-            <p:nvPr/>
-          </p:nvPicPr>
-          <p:blipFill>
-            <a:blip r:embed="rId4">
-              <a:extLst>
-                <a:ext uri="{28A0092B-C50C-407E-A947-70E740481C1C}">
-                  <a14:useLocalDpi xmlns:a14="http://schemas.microsoft.com/office/drawing/2010/main" val="0"/>
-                </a:ext>
-              </a:extLst>
-            </a:blip>
-            <a:stretch>
-              <a:fillRect/>
-            </a:stretch>
-          </p:blipFill>
-          <p:spPr>
-            <a:xfrm>
-              <a:off x="3038261" y="1595301"/>
-              <a:ext cx="3067478" cy="1952898"/>
-            </a:xfrm>
-            <a:prstGeom prst="rect">
-              <a:avLst/>
-            </a:prstGeom>
-          </p:spPr>
-        </p:pic>
-        <p:sp>
-          <p:nvSpPr>
-            <p:cNvPr id="5" name="文本框 4">
-              <a:extLst>
-                <a:ext uri="{FF2B5EF4-FFF2-40B4-BE49-F238E27FC236}">
-                  <a16:creationId xmlns:a16="http://schemas.microsoft.com/office/drawing/2014/main" id="{E83D261B-DB4D-43A1-8491-87028930C847}"/>
-                </a:ext>
-              </a:extLst>
-            </p:cNvPr>
-            <p:cNvSpPr txBox="1"/>
-            <p:nvPr/>
-          </p:nvSpPr>
-          <p:spPr>
-            <a:xfrm>
-              <a:off x="4771670" y="1581938"/>
-              <a:ext cx="1371600" cy="369332"/>
-            </a:xfrm>
-            <a:prstGeom prst="rect">
-              <a:avLst/>
-            </a:prstGeom>
-            <a:noFill/>
-          </p:spPr>
-          <p:txBody>
-            <a:bodyPr wrap="square" rtlCol="0">
-              <a:spAutoFit/>
-            </a:bodyPr>
-            <a:lstStyle/>
-            <a:p>
-              <a:r>
-                <a:rPr lang="zh-CN" altLang="en-US" sz="1800" dirty="0">
-                  <a:solidFill>
-                    <a:srgbClr val="0070C0"/>
-                  </a:solidFill>
-                </a:rPr>
-                <a:t>以向量为例</a:t>
-              </a:r>
-            </a:p>
-          </p:txBody>
-        </p:sp>
-      </p:grpSp>
+          <a:prstGeom prst="rect">
+            <a:avLst/>
+          </a:prstGeom>
+          <a:noFill/>
+        </p:spPr>
+        <p:txBody>
+          <a:bodyPr wrap="square" rtlCol="0">
+            <a:spAutoFit/>
+          </a:bodyPr>
+          <a:lstStyle/>
+          <a:p>
+            <a:r>
+              <a:rPr lang="zh-CN" altLang="en-US" sz="1800" dirty="0">
+                <a:solidFill>
+                  <a:srgbClr val="0070C0"/>
+                </a:solidFill>
+              </a:rPr>
+              <a:t>以向量为例</a:t>
+            </a:r>
+          </a:p>
+        </p:txBody>
+      </p:sp>
+      <p:pic>
+        <p:nvPicPr>
+          <p:cNvPr id="6" name="图片 5">
+            <a:extLst>
+              <a:ext uri="{FF2B5EF4-FFF2-40B4-BE49-F238E27FC236}">
+                <a16:creationId xmlns:a16="http://schemas.microsoft.com/office/drawing/2014/main" id="{85A7C773-5277-420D-B494-F06C73559CBA}"/>
+              </a:ext>
+            </a:extLst>
+          </p:cNvPr>
+          <p:cNvPicPr>
+            <a:picLocks noChangeAspect="1"/>
+          </p:cNvPicPr>
+          <p:nvPr/>
+        </p:nvPicPr>
+        <p:blipFill>
+          <a:blip r:embed="rId4">
+            <a:extLst>
+              <a:ext uri="{28A0092B-C50C-407E-A947-70E740481C1C}">
+                <a14:useLocalDpi xmlns:a14="http://schemas.microsoft.com/office/drawing/2010/main" val="0"/>
+              </a:ext>
+            </a:extLst>
+          </a:blip>
+          <a:stretch>
+            <a:fillRect/>
+          </a:stretch>
+        </p:blipFill>
+        <p:spPr>
+          <a:xfrm>
+            <a:off x="301595" y="1226456"/>
+            <a:ext cx="3414990" cy="2196307"/>
+          </a:xfrm>
+          <a:prstGeom prst="rect">
+            <a:avLst/>
+          </a:prstGeom>
+        </p:spPr>
+      </p:pic>
     </p:spTree>
     <p:extLst>
       <p:ext uri="{BB962C8B-B14F-4D97-AF65-F5344CB8AC3E}">
@@ -18909,7 +18748,7 @@
                             </p:stCondLst>
                             <p:childTnLst>
                               <p:par>
-                                <p:cTn id="5" presetID="10" presetClass="entr" presetSubtype="0" fill="hold" nodeType="afterEffect">
+                                <p:cTn id="5" presetID="42" presetClass="entr" presetSubtype="0" fill="hold" grpId="0" nodeType="afterEffect">
                                   <p:stCondLst>
                                     <p:cond delay="0"/>
                                   </p:stCondLst>
@@ -18922,7 +18761,7 @@
                                           </p:stCondLst>
                                         </p:cTn>
                                         <p:tgtEl>
-                                          <p:spTgt spid="11"/>
+                                          <p:spTgt spid="4"/>
                                         </p:tgtEl>
                                         <p:attrNameLst>
                                           <p:attrName>style.visibility</p:attrName>
@@ -18934,51 +18773,7 @@
                                     </p:set>
                                     <p:animEffect transition="in" filter="fade">
                                       <p:cBhvr>
-                                        <p:cTn id="7" dur="500"/>
-                                        <p:tgtEl>
-                                          <p:spTgt spid="11"/>
-                                        </p:tgtEl>
-                                      </p:cBhvr>
-                                    </p:animEffect>
-                                  </p:childTnLst>
-                                </p:cTn>
-                              </p:par>
-                            </p:childTnLst>
-                          </p:cTn>
-                        </p:par>
-                        <p:par>
-                          <p:cTn id="8" fill="hold">
-                            <p:stCondLst>
-                              <p:cond delay="500"/>
-                            </p:stCondLst>
-                            <p:childTnLst>
-                              <p:par>
-                                <p:cTn id="9" presetID="42" presetClass="entr" presetSubtype="0" fill="hold" grpId="0" nodeType="afterEffect">
-                                  <p:stCondLst>
-                                    <p:cond delay="0"/>
-                                  </p:stCondLst>
-                                  <p:childTnLst>
-                                    <p:set>
-                                      <p:cBhvr>
-                                        <p:cTn id="10" dur="1" fill="hold">
-                                          <p:stCondLst>
-                                            <p:cond delay="0"/>
-                                          </p:stCondLst>
-                                        </p:cTn>
-                                        <p:tgtEl>
-                                          <p:spTgt spid="4"/>
-                                        </p:tgtEl>
-                                        <p:attrNameLst>
-                                          <p:attrName>style.visibility</p:attrName>
-                                        </p:attrNameLst>
-                                      </p:cBhvr>
-                                      <p:to>
-                                        <p:strVal val="visible"/>
-                                      </p:to>
-                                    </p:set>
-                                    <p:animEffect transition="in" filter="fade">
-                                      <p:cBhvr>
-                                        <p:cTn id="11" dur="1000"/>
+                                        <p:cTn id="7" dur="1000"/>
                                         <p:tgtEl>
                                           <p:spTgt spid="4"/>
                                         </p:tgtEl>
@@ -18986,7 +18781,7 @@
                                     </p:animEffect>
                                     <p:anim calcmode="lin" valueType="num">
                                       <p:cBhvr>
-                                        <p:cTn id="12" dur="1000" fill="hold"/>
+                                        <p:cTn id="8" dur="1000" fill="hold"/>
                                         <p:tgtEl>
                                           <p:spTgt spid="4"/>
                                         </p:tgtEl>
@@ -19009,7 +18804,7 @@
                                     </p:anim>
                                     <p:anim calcmode="lin" valueType="num">
                                       <p:cBhvr>
-                                        <p:cTn id="13" dur="1000" fill="hold"/>
+                                        <p:cTn id="9" dur="1000" fill="hold"/>
                                         <p:tgtEl>
                                           <p:spTgt spid="4"/>
                                         </p:tgtEl>
@@ -19040,26 +18835,26 @@
                     </p:cTn>
                   </p:par>
                   <p:par>
-                    <p:cTn id="14" fill="hold">
+                    <p:cTn id="10" fill="hold">
                       <p:stCondLst>
                         <p:cond delay="indefinite"/>
                       </p:stCondLst>
                       <p:childTnLst>
                         <p:par>
-                          <p:cTn id="15" fill="hold">
+                          <p:cTn id="11" fill="hold">
                             <p:stCondLst>
                               <p:cond delay="0"/>
                             </p:stCondLst>
                             <p:childTnLst>
                               <p:par>
-                                <p:cTn id="16" presetID="42" presetClass="entr" presetSubtype="0" fill="hold" nodeType="clickEffect">
+                                <p:cTn id="12" presetID="42" presetClass="entr" presetSubtype="0" fill="hold" nodeType="clickEffect">
                                   <p:stCondLst>
                                     <p:cond delay="0"/>
                                   </p:stCondLst>
                                   <p:childTnLst>
                                     <p:set>
                                       <p:cBhvr>
-                                        <p:cTn id="17" dur="1" fill="hold">
+                                        <p:cTn id="13" dur="1" fill="hold">
                                           <p:stCondLst>
                                             <p:cond delay="0"/>
                                           </p:stCondLst>
@@ -19081,7 +18876,7 @@
                                     </p:set>
                                     <p:animEffect transition="in" filter="fade">
                                       <p:cBhvr>
-                                        <p:cTn id="18" dur="1000"/>
+                                        <p:cTn id="14" dur="1000"/>
                                         <p:tgtEl>
                                           <p:spTgt spid="8">
                                             <p:txEl>
@@ -19093,7 +18888,7 @@
                                     </p:animEffect>
                                     <p:anim calcmode="lin" valueType="num">
                                       <p:cBhvr>
-                                        <p:cTn id="19" dur="1000" fill="hold"/>
+                                        <p:cTn id="15" dur="1000" fill="hold"/>
                                         <p:tgtEl>
                                           <p:spTgt spid="8">
                                             <p:txEl>
@@ -19120,7 +18915,7 @@
                                     </p:anim>
                                     <p:anim calcmode="lin" valueType="num">
                                       <p:cBhvr>
-                                        <p:cTn id="20" dur="1000" fill="hold"/>
+                                        <p:cTn id="16" dur="1000" fill="hold"/>
                                         <p:tgtEl>
                                           <p:spTgt spid="8">
                                             <p:txEl>
@@ -19155,26 +18950,26 @@
                     </p:cTn>
                   </p:par>
                   <p:par>
-                    <p:cTn id="21" fill="hold">
+                    <p:cTn id="17" fill="hold">
                       <p:stCondLst>
                         <p:cond delay="indefinite"/>
                       </p:stCondLst>
                       <p:childTnLst>
                         <p:par>
-                          <p:cTn id="22" fill="hold">
+                          <p:cTn id="18" fill="hold">
                             <p:stCondLst>
                               <p:cond delay="0"/>
                             </p:stCondLst>
                             <p:childTnLst>
                               <p:par>
-                                <p:cTn id="23" presetID="42" presetClass="entr" presetSubtype="0" fill="hold" nodeType="clickEffect">
+                                <p:cTn id="19" presetID="42" presetClass="entr" presetSubtype="0" fill="hold" nodeType="clickEffect">
                                   <p:stCondLst>
                                     <p:cond delay="0"/>
                                   </p:stCondLst>
                                   <p:childTnLst>
                                     <p:set>
                                       <p:cBhvr>
-                                        <p:cTn id="24" dur="1" fill="hold">
+                                        <p:cTn id="20" dur="1" fill="hold">
                                           <p:stCondLst>
                                             <p:cond delay="0"/>
                                           </p:stCondLst>
@@ -19196,7 +18991,7 @@
                                     </p:set>
                                     <p:animEffect transition="in" filter="fade">
                                       <p:cBhvr>
-                                        <p:cTn id="25" dur="1000"/>
+                                        <p:cTn id="21" dur="1000"/>
                                         <p:tgtEl>
                                           <p:spTgt spid="8">
                                             <p:txEl>
@@ -19208,7 +19003,7 @@
                                     </p:animEffect>
                                     <p:anim calcmode="lin" valueType="num">
                                       <p:cBhvr>
-                                        <p:cTn id="26" dur="1000" fill="hold"/>
+                                        <p:cTn id="22" dur="1000" fill="hold"/>
                                         <p:tgtEl>
                                           <p:spTgt spid="8">
                                             <p:txEl>
@@ -19235,7 +19030,7 @@
                                     </p:anim>
                                     <p:anim calcmode="lin" valueType="num">
                                       <p:cBhvr>
-                                        <p:cTn id="27" dur="1000" fill="hold"/>
+                                        <p:cTn id="23" dur="1000" fill="hold"/>
                                         <p:tgtEl>
                                           <p:spTgt spid="8">
                                             <p:txEl>
@@ -19270,26 +19065,26 @@
                     </p:cTn>
                   </p:par>
                   <p:par>
-                    <p:cTn id="28" fill="hold">
+                    <p:cTn id="24" fill="hold">
                       <p:stCondLst>
                         <p:cond delay="indefinite"/>
                       </p:stCondLst>
                       <p:childTnLst>
                         <p:par>
-                          <p:cTn id="29" fill="hold">
+                          <p:cTn id="25" fill="hold">
                             <p:stCondLst>
                               <p:cond delay="0"/>
                             </p:stCondLst>
                             <p:childTnLst>
                               <p:par>
-                                <p:cTn id="30" presetID="42" presetClass="entr" presetSubtype="0" fill="hold" nodeType="clickEffect">
+                                <p:cTn id="26" presetID="42" presetClass="entr" presetSubtype="0" fill="hold" nodeType="clickEffect">
                                   <p:stCondLst>
                                     <p:cond delay="0"/>
                                   </p:stCondLst>
                                   <p:childTnLst>
                                     <p:set>
                                       <p:cBhvr>
-                                        <p:cTn id="31" dur="1" fill="hold">
+                                        <p:cTn id="27" dur="1" fill="hold">
                                           <p:stCondLst>
                                             <p:cond delay="0"/>
                                           </p:stCondLst>
@@ -19311,7 +19106,7 @@
                                     </p:set>
                                     <p:animEffect transition="in" filter="fade">
                                       <p:cBhvr>
-                                        <p:cTn id="32" dur="1000"/>
+                                        <p:cTn id="28" dur="1000"/>
                                         <p:tgtEl>
                                           <p:spTgt spid="8">
                                             <p:txEl>
@@ -19323,7 +19118,7 @@
                                     </p:animEffect>
                                     <p:anim calcmode="lin" valueType="num">
                                       <p:cBhvr>
-                                        <p:cTn id="33" dur="1000" fill="hold"/>
+                                        <p:cTn id="29" dur="1000" fill="hold"/>
                                         <p:tgtEl>
                                           <p:spTgt spid="8">
                                             <p:txEl>
@@ -19350,7 +19145,7 @@
                                     </p:anim>
                                     <p:anim calcmode="lin" valueType="num">
                                       <p:cBhvr>
-                                        <p:cTn id="34" dur="1000" fill="hold"/>
+                                        <p:cTn id="30" dur="1000" fill="hold"/>
                                         <p:tgtEl>
                                           <p:spTgt spid="8">
                                             <p:txEl>
@@ -19867,8 +19662,8 @@
           </a:p>
         </p:txBody>
       </p:sp>
-      <mc:AlternateContent xmlns:mc="http://schemas.openxmlformats.org/markup-compatibility/2006" xmlns:a14="http://schemas.microsoft.com/office/drawing/2010/main">
-        <mc:Choice Requires="a14">
+      <mc:AlternateContent xmlns:mc="http://schemas.openxmlformats.org/markup-compatibility/2006">
+        <mc:Choice xmlns:a14="http://schemas.microsoft.com/office/drawing/2010/main" Requires="a14">
           <p:sp>
             <p:nvSpPr>
               <p:cNvPr id="4" name="文本框 3">
@@ -19884,7 +19679,7 @@
             <p:spPr>
               <a:xfrm>
                 <a:off x="270493" y="2717800"/>
-                <a:ext cx="8343900" cy="2154179"/>
+                <a:ext cx="8343900" cy="2057551"/>
               </a:xfrm>
               <a:prstGeom prst="rect">
                 <a:avLst/>
@@ -19947,41 +19742,26 @@
                   </a:rPr>
                   <a:t>中的向量</a:t>
                 </a:r>
-                <a14:m>
-                  <m:oMath xmlns:m="http://schemas.openxmlformats.org/officeDocument/2006/math">
-                    <m:acc>
-                      <m:accPr>
-                        <m:chr m:val="⃗"/>
-                        <m:ctrlPr>
-                          <a:rPr lang="zh-CN" altLang="en-US" sz="2133" b="1" i="1" kern="100">
-                            <a:solidFill>
-                              <a:srgbClr val="7030A0"/>
-                            </a:solidFill>
-                            <a:latin typeface="Cambria Math" panose="02040503050406030204" pitchFamily="18" charset="0"/>
-                            <a:ea typeface="+mj-ea"/>
-                            <a:cs typeface="Times New Roman" panose="02020603050405020304" pitchFamily="18" charset="0"/>
-                          </a:rPr>
-                        </m:ctrlPr>
-                      </m:accPr>
-                      <m:e>
-                        <m:r>
-                          <m:rPr>
-                            <m:nor/>
-                          </m:rPr>
-                          <a:rPr lang="en-US" altLang="zh-CN" sz="2133" b="1" i="1" kern="100" dirty="0">
-                            <a:solidFill>
-                              <a:srgbClr val="7030A0"/>
-                            </a:solidFill>
-                            <a:latin typeface="+mj-ea"/>
-                            <a:ea typeface="+mj-ea"/>
-                            <a:cs typeface="Times New Roman" panose="02020603050405020304" pitchFamily="18" charset="0"/>
-                          </a:rPr>
-                          <m:t>AB</m:t>
-                        </m:r>
-                      </m:e>
-                    </m:acc>
-                  </m:oMath>
-                </a14:m>
+                <a:r>
+                  <a:rPr lang="en-US" altLang="zh-CN" sz="2133" b="1" i="1">
+                    <a:solidFill>
+                      <a:srgbClr val="7030A0"/>
+                    </a:solidFill>
+                    <a:latin typeface="+mj-ea"/>
+                    <a:ea typeface="+mj-ea"/>
+                  </a:rPr>
+                  <a:t>AB </a:t>
+                </a:r>
+                <a:r>
+                  <a:rPr lang="zh-CN" altLang="en-US" sz="2133">
+                    <a:solidFill>
+                      <a:srgbClr val="7030A0"/>
+                    </a:solidFill>
+                    <a:latin typeface="+mj-ea"/>
+                    <a:ea typeface="+mj-ea"/>
+                  </a:rPr>
+                  <a:t>是</a:t>
+                </a:r>
                 <a:r>
                   <a:rPr lang="zh-CN" altLang="en-US" sz="2133" dirty="0">
                     <a:solidFill>
@@ -19990,7 +19770,7 @@
                     <a:latin typeface="+mj-ea"/>
                     <a:ea typeface="+mj-ea"/>
                   </a:rPr>
-                  <a:t> 是一个三维空间中的一阶张量，因此，它有</a:t>
+                  <a:t>一个三维空间中的一阶张量，因此，它有</a:t>
                 </a:r>
                 <a:r>
                   <a:rPr lang="en-US" altLang="zh-CN" sz="2133" dirty="0">
@@ -20310,7 +20090,7 @@
             </p:txBody>
           </p:sp>
         </mc:Choice>
-        <mc:Fallback xmlns="">
+        <mc:Fallback>
           <p:sp>
             <p:nvSpPr>
               <p:cNvPr id="4" name="文本框 3">
@@ -20328,7 +20108,7 @@
             <p:spPr>
               <a:xfrm>
                 <a:off x="270493" y="2717800"/>
-                <a:ext cx="8343900" cy="2154179"/>
+                <a:ext cx="8343900" cy="2057551"/>
               </a:xfrm>
               <a:prstGeom prst="rect">
                 <a:avLst/>
